--- a/cisco/cisco3.pptx
+++ b/cisco/cisco3.pptx
@@ -8,6 +8,9 @@
     <p:sldId id="256" r:id="rId2"/>
     <p:sldId id="257" r:id="rId3"/>
     <p:sldId id="258" r:id="rId4"/>
+    <p:sldId id="259" r:id="rId5"/>
+    <p:sldId id="260" r:id="rId6"/>
+    <p:sldId id="261" r:id="rId7"/>
   </p:sldIdLst>
   <p:sldSz cx="12192000" cy="6858000"/>
   <p:notesSz cx="6858000" cy="9144000"/>
@@ -106,6 +109,11 @@
       </a:defRPr>
     </a:lvl9pPr>
   </p:defaultTextStyle>
+  <p:extLst>
+    <p:ext uri="{EFAFB233-063F-42B5-8137-9DF3F51BA10A}">
+      <p15:sldGuideLst xmlns:p15="http://schemas.microsoft.com/office/powerpoint/2012/main"/>
+    </p:ext>
+  </p:extLst>
 </p:presentation>
 </file>
 
@@ -277,7 +285,7 @@
           <a:p>
             <a:fld id="{0CC3EF24-B5B0-4F45-871A-3D881597EB71}" type="datetimeFigureOut">
               <a:rPr lang="hu-HU" smtClean="0"/>
-              <a:t>2023. 02. 28.</a:t>
+              <a:t>2023. 03. 09.</a:t>
             </a:fld>
             <a:endParaRPr lang="hu-HU"/>
           </a:p>
@@ -505,7 +513,7 @@
           <a:p>
             <a:fld id="{0CC3EF24-B5B0-4F45-871A-3D881597EB71}" type="datetimeFigureOut">
               <a:rPr lang="hu-HU" smtClean="0"/>
-              <a:t>2023. 02. 28.</a:t>
+              <a:t>2023. 03. 09.</a:t>
             </a:fld>
             <a:endParaRPr lang="hu-HU"/>
           </a:p>
@@ -685,7 +693,7 @@
           <a:p>
             <a:fld id="{0CC3EF24-B5B0-4F45-871A-3D881597EB71}" type="datetimeFigureOut">
               <a:rPr lang="hu-HU" smtClean="0"/>
-              <a:t>2023. 02. 28.</a:t>
+              <a:t>2023. 03. 09.</a:t>
             </a:fld>
             <a:endParaRPr lang="hu-HU"/>
           </a:p>
@@ -855,7 +863,7 @@
           <a:p>
             <a:fld id="{0CC3EF24-B5B0-4F45-871A-3D881597EB71}" type="datetimeFigureOut">
               <a:rPr lang="hu-HU" smtClean="0"/>
-              <a:t>2023. 02. 28.</a:t>
+              <a:t>2023. 03. 09.</a:t>
             </a:fld>
             <a:endParaRPr lang="hu-HU"/>
           </a:p>
@@ -1109,7 +1117,7 @@
           <a:p>
             <a:fld id="{0CC3EF24-B5B0-4F45-871A-3D881597EB71}" type="datetimeFigureOut">
               <a:rPr lang="hu-HU" smtClean="0"/>
-              <a:t>2023. 02. 28.</a:t>
+              <a:t>2023. 03. 09.</a:t>
             </a:fld>
             <a:endParaRPr lang="hu-HU"/>
           </a:p>
@@ -1435,7 +1443,7 @@
           <a:p>
             <a:fld id="{0CC3EF24-B5B0-4F45-871A-3D881597EB71}" type="datetimeFigureOut">
               <a:rPr lang="hu-HU" smtClean="0"/>
-              <a:t>2023. 02. 28.</a:t>
+              <a:t>2023. 03. 09.</a:t>
             </a:fld>
             <a:endParaRPr lang="hu-HU"/>
           </a:p>
@@ -1886,7 +1894,7 @@
           <a:p>
             <a:fld id="{0CC3EF24-B5B0-4F45-871A-3D881597EB71}" type="datetimeFigureOut">
               <a:rPr lang="hu-HU" smtClean="0"/>
-              <a:t>2023. 02. 28.</a:t>
+              <a:t>2023. 03. 09.</a:t>
             </a:fld>
             <a:endParaRPr lang="hu-HU"/>
           </a:p>
@@ -2004,7 +2012,7 @@
           <a:p>
             <a:fld id="{0CC3EF24-B5B0-4F45-871A-3D881597EB71}" type="datetimeFigureOut">
               <a:rPr lang="hu-HU" smtClean="0"/>
-              <a:t>2023. 02. 28.</a:t>
+              <a:t>2023. 03. 09.</a:t>
             </a:fld>
             <a:endParaRPr lang="hu-HU"/>
           </a:p>
@@ -2099,7 +2107,7 @@
           <a:p>
             <a:fld id="{0CC3EF24-B5B0-4F45-871A-3D881597EB71}" type="datetimeFigureOut">
               <a:rPr lang="hu-HU" smtClean="0"/>
-              <a:t>2023. 02. 28.</a:t>
+              <a:t>2023. 03. 09.</a:t>
             </a:fld>
             <a:endParaRPr lang="hu-HU"/>
           </a:p>
@@ -2386,7 +2394,7 @@
           <a:p>
             <a:fld id="{0CC3EF24-B5B0-4F45-871A-3D881597EB71}" type="datetimeFigureOut">
               <a:rPr lang="hu-HU" smtClean="0"/>
-              <a:t>2023. 02. 28.</a:t>
+              <a:t>2023. 03. 09.</a:t>
             </a:fld>
             <a:endParaRPr lang="hu-HU"/>
           </a:p>
@@ -2708,7 +2716,7 @@
           <a:p>
             <a:fld id="{0CC3EF24-B5B0-4F45-871A-3D881597EB71}" type="datetimeFigureOut">
               <a:rPr lang="hu-HU" smtClean="0"/>
-              <a:t>2023. 02. 28.</a:t>
+              <a:t>2023. 03. 09.</a:t>
             </a:fld>
             <a:endParaRPr lang="hu-HU"/>
           </a:p>
@@ -2962,7 +2970,7 @@
           <a:p>
             <a:fld id="{0CC3EF24-B5B0-4F45-871A-3D881597EB71}" type="datetimeFigureOut">
               <a:rPr lang="hu-HU" smtClean="0"/>
-              <a:t>2023. 02. 28.</a:t>
+              <a:t>2023. 03. 09.</a:t>
             </a:fld>
             <a:endParaRPr lang="hu-HU"/>
           </a:p>
@@ -3472,13 +3480,22 @@
           <a:lstStyle/>
           <a:p>
             <a:r>
-              <a:rPr lang="hu-HU" dirty="0"/>
+              <a:rPr lang="hu-HU" dirty="0">
+                <a:latin typeface="Times New Roman" panose="02020603050405020304" pitchFamily="18" charset="0"/>
+                <a:cs typeface="Times New Roman" panose="02020603050405020304" pitchFamily="18" charset="0"/>
+              </a:rPr>
               <a:t>Az adatkapcsolati réteg</a:t>
             </a:r>
             <a:br>
-              <a:rPr lang="hu-HU" dirty="0"/>
+              <a:rPr lang="hu-HU" dirty="0">
+                <a:latin typeface="Times New Roman" panose="02020603050405020304" pitchFamily="18" charset="0"/>
+                <a:cs typeface="Times New Roman" panose="02020603050405020304" pitchFamily="18" charset="0"/>
+              </a:rPr>
             </a:br>
-            <a:endParaRPr lang="hu-HU" dirty="0"/>
+            <a:endParaRPr lang="hu-HU" dirty="0">
+              <a:latin typeface="Times New Roman" panose="02020603050405020304" pitchFamily="18" charset="0"/>
+              <a:cs typeface="Times New Roman" panose="02020603050405020304" pitchFamily="18" charset="0"/>
+            </a:endParaRPr>
           </a:p>
         </p:txBody>
       </p:sp>
@@ -3500,10 +3517,20 @@
         </p:nvSpPr>
         <p:spPr/>
         <p:txBody>
-          <a:bodyPr/>
-          <a:lstStyle/>
-          <a:p>
-            <a:endParaRPr lang="hu-HU"/>
+          <a:bodyPr>
+            <a:normAutofit/>
+          </a:bodyPr>
+          <a:lstStyle/>
+          <a:p>
+            <a:pPr algn="ctr"/>
+            <a:r>
+              <a:rPr lang="hu-HU" sz="5400" dirty="0">
+                <a:solidFill>
+                  <a:srgbClr val="FF0000"/>
+                </a:solidFill>
+              </a:rPr>
+              <a:t>&lt;3</a:t>
+            </a:r>
           </a:p>
         </p:txBody>
       </p:sp>
@@ -3553,13 +3580,21 @@
             <p:ph type="title"/>
           </p:nvPr>
         </p:nvSpPr>
-        <p:spPr/>
-        <p:txBody>
-          <a:bodyPr/>
-          <a:lstStyle/>
-          <a:p>
-            <a:r>
-              <a:rPr lang="hu-HU" dirty="0"/>
+        <p:spPr>
+          <a:xfrm>
+            <a:off x="92279" y="352338"/>
+            <a:ext cx="10862233" cy="1338984"/>
+          </a:xfrm>
+        </p:spPr>
+        <p:txBody>
+          <a:bodyPr/>
+          <a:lstStyle/>
+          <a:p>
+            <a:r>
+              <a:rPr lang="hu-HU" dirty="0">
+                <a:latin typeface="Times New Roman" panose="02020603050405020304" pitchFamily="18" charset="0"/>
+                <a:cs typeface="Times New Roman" panose="02020603050405020304" pitchFamily="18" charset="0"/>
+              </a:rPr>
               <a:t>Feladatai:</a:t>
             </a:r>
           </a:p>
@@ -3588,44 +3623,92 @@
           </a:xfrm>
         </p:spPr>
         <p:txBody>
-          <a:bodyPr/>
-          <a:lstStyle/>
-          <a:p>
-            <a:r>
-              <a:rPr lang="hu-HU" dirty="0"/>
+          <a:bodyPr>
+            <a:normAutofit/>
+          </a:bodyPr>
+          <a:lstStyle/>
+          <a:p>
+            <a:pPr>
+              <a:lnSpc>
+                <a:spcPts val="2800"/>
+              </a:lnSpc>
+            </a:pPr>
+            <a:r>
+              <a:rPr lang="hu-HU" sz="2000" dirty="0">
+                <a:latin typeface="Times New Roman" panose="02020603050405020304" pitchFamily="18" charset="0"/>
+                <a:cs typeface="Times New Roman" panose="02020603050405020304" pitchFamily="18" charset="0"/>
+              </a:rPr>
               <a:t>Jól definiált interfész biztosítása a hálózati rétegnek</a:t>
             </a:r>
           </a:p>
           <a:p>
-            <a:r>
-              <a:rPr lang="hu-HU" dirty="0"/>
+            <a:pPr>
+              <a:lnSpc>
+                <a:spcPts val="2800"/>
+              </a:lnSpc>
+            </a:pPr>
+            <a:r>
+              <a:rPr lang="hu-HU" sz="2000" dirty="0">
+                <a:latin typeface="Times New Roman" panose="02020603050405020304" pitchFamily="18" charset="0"/>
+                <a:cs typeface="Times New Roman" panose="02020603050405020304" pitchFamily="18" charset="0"/>
+              </a:rPr>
               <a:t>Átviteli hibák kezelése</a:t>
             </a:r>
           </a:p>
           <a:p>
-            <a:r>
-              <a:rPr lang="hu-HU" dirty="0"/>
+            <a:pPr>
+              <a:lnSpc>
+                <a:spcPts val="2800"/>
+              </a:lnSpc>
+            </a:pPr>
+            <a:r>
+              <a:rPr lang="hu-HU" sz="2000" dirty="0">
+                <a:latin typeface="Times New Roman" panose="02020603050405020304" pitchFamily="18" charset="0"/>
+                <a:cs typeface="Times New Roman" panose="02020603050405020304" pitchFamily="18" charset="0"/>
+              </a:rPr>
               <a:t>Adatforgalom szabályozása</a:t>
             </a:r>
           </a:p>
           <a:p>
             <a:pPr marL="0" indent="0" algn="ctr">
+              <a:lnSpc>
+                <a:spcPts val="2800"/>
+              </a:lnSpc>
               <a:buNone/>
             </a:pPr>
             <a:r>
-              <a:rPr lang="hu-HU" dirty="0"/>
+              <a:rPr lang="hu-HU" sz="2000" dirty="0">
+                <a:latin typeface="Times New Roman" panose="02020603050405020304" pitchFamily="18" charset="0"/>
+                <a:cs typeface="Times New Roman" panose="02020603050405020304" pitchFamily="18" charset="0"/>
+              </a:rPr>
               <a:t>Jellemzői:</a:t>
             </a:r>
           </a:p>
           <a:p>
-            <a:r>
-              <a:rPr lang="hu-HU" dirty="0"/>
+            <a:pPr>
+              <a:lnSpc>
+                <a:spcPts val="2800"/>
+              </a:lnSpc>
+            </a:pPr>
+            <a:r>
+              <a:rPr lang="hu-HU" sz="2000" dirty="0">
+                <a:latin typeface="Times New Roman" panose="02020603050405020304" pitchFamily="18" charset="0"/>
+                <a:cs typeface="Times New Roman" panose="02020603050405020304" pitchFamily="18" charset="0"/>
+              </a:rPr>
               <a:t>Szomszédosság: Két gép fizikailag össze van kötve egy olyan kommunikációs csatornával ami vezetékszerű.</a:t>
             </a:r>
           </a:p>
           <a:p>
-            <a:r>
-              <a:rPr lang="hu-HU" dirty="0"/>
+            <a:pPr>
+              <a:lnSpc>
+                <a:spcPts val="2800"/>
+              </a:lnSpc>
+            </a:pPr>
+            <a:r>
+              <a:rPr lang="hu-HU" sz="2000" dirty="0">
+                <a:latin typeface="Times New Roman" panose="02020603050405020304" pitchFamily="18" charset="0"/>
+                <a:cs typeface="Times New Roman" panose="02020603050405020304" pitchFamily="18" charset="0"/>
+              </a:rPr>
               <a:t>Vezetékszerű: Rajta a bitek az elküldés sorrendjében érkeznek meg.</a:t>
             </a:r>
           </a:p>
@@ -3677,14 +3760,19 @@
             <p:ph type="title"/>
           </p:nvPr>
         </p:nvSpPr>
-        <p:spPr/>
+        <p:spPr>
+          <a:xfrm>
+            <a:off x="0" y="276837"/>
+            <a:ext cx="10954512" cy="1414485"/>
+          </a:xfrm>
+        </p:spPr>
         <p:txBody>
           <a:bodyPr/>
           <a:lstStyle/>
           <a:p>
             <a:r>
               <a:rPr lang="hu-HU" dirty="0"/>
-              <a:t>Jellemzői:</a:t>
+              <a:t>Keret:</a:t>
             </a:r>
           </a:p>
         </p:txBody>
@@ -3708,21 +3796,808 @@
         <p:spPr>
           <a:xfrm>
             <a:off x="0" y="1691322"/>
-            <a:ext cx="8595360" cy="4351337"/>
+            <a:ext cx="8595360" cy="4800918"/>
           </a:xfrm>
         </p:spPr>
         <p:txBody>
-          <a:bodyPr/>
-          <a:lstStyle/>
-          <a:p>
-            <a:endParaRPr lang="hu-HU" dirty="0"/>
-          </a:p>
-        </p:txBody>
-      </p:sp>
+          <a:bodyPr>
+            <a:normAutofit fontScale="92500"/>
+          </a:bodyPr>
+          <a:lstStyle/>
+          <a:p>
+            <a:pPr>
+              <a:lnSpc>
+                <a:spcPts val="2800"/>
+              </a:lnSpc>
+            </a:pPr>
+            <a:r>
+              <a:rPr lang="hu-HU" sz="2000" dirty="0">
+                <a:latin typeface="Times New Roman" panose="02020603050405020304" pitchFamily="18" charset="0"/>
+                <a:cs typeface="Times New Roman" panose="02020603050405020304" pitchFamily="18" charset="0"/>
+              </a:rPr>
+              <a:t>Az adat valamilyen határoló jelek közé foglat része.</a:t>
+            </a:r>
+          </a:p>
+          <a:p>
+            <a:pPr>
+              <a:lnSpc>
+                <a:spcPts val="2800"/>
+              </a:lnSpc>
+            </a:pPr>
+            <a:r>
+              <a:rPr lang="hu-HU" sz="2000" dirty="0">
+                <a:latin typeface="Times New Roman" panose="02020603050405020304" pitchFamily="18" charset="0"/>
+                <a:cs typeface="Times New Roman" panose="02020603050405020304" pitchFamily="18" charset="0"/>
+              </a:rPr>
+              <a:t>Az adatokat adatkeretté alakítja (</a:t>
+            </a:r>
+            <a:r>
+              <a:rPr lang="hu-HU" sz="2000" dirty="0" err="1">
+                <a:latin typeface="Times New Roman" panose="02020603050405020304" pitchFamily="18" charset="0"/>
+                <a:cs typeface="Times New Roman" panose="02020603050405020304" pitchFamily="18" charset="0"/>
+              </a:rPr>
+              <a:t>frame</a:t>
+            </a:r>
+            <a:r>
+              <a:rPr lang="hu-HU" sz="2000" dirty="0">
+                <a:latin typeface="Times New Roman" panose="02020603050405020304" pitchFamily="18" charset="0"/>
+                <a:cs typeface="Times New Roman" panose="02020603050405020304" pitchFamily="18" charset="0"/>
+              </a:rPr>
+              <a:t>), tördeli ellátja kiegészítő információval.</a:t>
+            </a:r>
+          </a:p>
+          <a:p>
+            <a:pPr>
+              <a:lnSpc>
+                <a:spcPts val="2800"/>
+              </a:lnSpc>
+            </a:pPr>
+            <a:r>
+              <a:rPr lang="hu-HU" sz="2000" dirty="0">
+                <a:latin typeface="Times New Roman" panose="02020603050405020304" pitchFamily="18" charset="0"/>
+                <a:cs typeface="Times New Roman" panose="02020603050405020304" pitchFamily="18" charset="0"/>
+              </a:rPr>
+              <a:t>Ezeket az adatokat továbbítja majd a vevő által visszaküldött igazolást, nyugtakeretet (</a:t>
+            </a:r>
+            <a:r>
+              <a:rPr lang="hu-HU" sz="2000" dirty="0" err="1">
+                <a:latin typeface="Times New Roman" panose="02020603050405020304" pitchFamily="18" charset="0"/>
+                <a:cs typeface="Times New Roman" panose="02020603050405020304" pitchFamily="18" charset="0"/>
+              </a:rPr>
+              <a:t>aknowledgement</a:t>
+            </a:r>
+            <a:r>
+              <a:rPr lang="hu-HU" sz="2000" dirty="0">
+                <a:latin typeface="Times New Roman" panose="02020603050405020304" pitchFamily="18" charset="0"/>
+                <a:cs typeface="Times New Roman" panose="02020603050405020304" pitchFamily="18" charset="0"/>
+              </a:rPr>
+              <a:t> </a:t>
+            </a:r>
+            <a:r>
+              <a:rPr lang="hu-HU" sz="2000" dirty="0" err="1">
+                <a:latin typeface="Times New Roman" panose="02020603050405020304" pitchFamily="18" charset="0"/>
+                <a:cs typeface="Times New Roman" panose="02020603050405020304" pitchFamily="18" charset="0"/>
+              </a:rPr>
+              <a:t>frame</a:t>
+            </a:r>
+            <a:r>
+              <a:rPr lang="hu-HU" sz="2000" dirty="0">
+                <a:latin typeface="Times New Roman" panose="02020603050405020304" pitchFamily="18" charset="0"/>
+                <a:cs typeface="Times New Roman" panose="02020603050405020304" pitchFamily="18" charset="0"/>
+              </a:rPr>
+              <a:t>) feldolgozza.</a:t>
+            </a:r>
+          </a:p>
+          <a:p>
+            <a:pPr>
+              <a:lnSpc>
+                <a:spcPts val="2800"/>
+              </a:lnSpc>
+            </a:pPr>
+            <a:r>
+              <a:rPr lang="hu-HU" sz="2000" dirty="0">
+                <a:latin typeface="Times New Roman" panose="02020603050405020304" pitchFamily="18" charset="0"/>
+                <a:cs typeface="Times New Roman" panose="02020603050405020304" pitchFamily="18" charset="0"/>
+              </a:rPr>
+              <a:t>Három fő részből áll:</a:t>
+            </a:r>
+          </a:p>
+          <a:p>
+            <a:pPr marL="457200" indent="-457200">
+              <a:lnSpc>
+                <a:spcPts val="2800"/>
+              </a:lnSpc>
+              <a:buFont typeface="+mj-lt"/>
+              <a:buAutoNum type="arabicPeriod"/>
+            </a:pPr>
+            <a:r>
+              <a:rPr lang="hu-HU" sz="2000" dirty="0">
+                <a:latin typeface="Times New Roman" panose="02020603050405020304" pitchFamily="18" charset="0"/>
+                <a:cs typeface="Times New Roman" panose="02020603050405020304" pitchFamily="18" charset="0"/>
+              </a:rPr>
+              <a:t>Fejléc</a:t>
+            </a:r>
+          </a:p>
+          <a:p>
+            <a:pPr marL="457200" indent="-457200">
+              <a:lnSpc>
+                <a:spcPts val="2800"/>
+              </a:lnSpc>
+              <a:buFont typeface="+mj-lt"/>
+              <a:buAutoNum type="arabicPeriod"/>
+            </a:pPr>
+            <a:r>
+              <a:rPr lang="hu-HU" sz="2000" dirty="0">
+                <a:latin typeface="Times New Roman" panose="02020603050405020304" pitchFamily="18" charset="0"/>
+                <a:cs typeface="Times New Roman" panose="02020603050405020304" pitchFamily="18" charset="0"/>
+              </a:rPr>
+              <a:t>Adatrész</a:t>
+            </a:r>
+          </a:p>
+          <a:p>
+            <a:pPr marL="457200" indent="-457200">
+              <a:lnSpc>
+                <a:spcPts val="2800"/>
+              </a:lnSpc>
+              <a:buFont typeface="+mj-lt"/>
+              <a:buAutoNum type="arabicPeriod"/>
+            </a:pPr>
+            <a:r>
+              <a:rPr lang="hu-HU" sz="2000" dirty="0">
+                <a:latin typeface="Times New Roman" panose="02020603050405020304" pitchFamily="18" charset="0"/>
+                <a:cs typeface="Times New Roman" panose="02020603050405020304" pitchFamily="18" charset="0"/>
+              </a:rPr>
+              <a:t>Utótag</a:t>
+            </a:r>
+          </a:p>
+          <a:p>
+            <a:pPr marL="0" indent="0">
+              <a:lnSpc>
+                <a:spcPts val="2800"/>
+              </a:lnSpc>
+              <a:buNone/>
+            </a:pPr>
+            <a:r>
+              <a:rPr lang="hu-HU" sz="2000" dirty="0">
+                <a:latin typeface="Times New Roman" panose="02020603050405020304" pitchFamily="18" charset="0"/>
+                <a:cs typeface="Times New Roman" panose="02020603050405020304" pitchFamily="18" charset="0"/>
+              </a:rPr>
+              <a:t>Ezek </a:t>
+            </a:r>
+            <a:r>
+              <a:rPr lang="hu-HU" sz="2000" dirty="0" err="1">
+                <a:latin typeface="Times New Roman" panose="02020603050405020304" pitchFamily="18" charset="0"/>
+                <a:cs typeface="Times New Roman" panose="02020603050405020304" pitchFamily="18" charset="0"/>
+              </a:rPr>
+              <a:t>protollonként</a:t>
+            </a:r>
+            <a:r>
+              <a:rPr lang="hu-HU" sz="2000" dirty="0">
+                <a:latin typeface="Times New Roman" panose="02020603050405020304" pitchFamily="18" charset="0"/>
+                <a:cs typeface="Times New Roman" panose="02020603050405020304" pitchFamily="18" charset="0"/>
+              </a:rPr>
+              <a:t> </a:t>
+            </a:r>
+            <a:r>
+              <a:rPr lang="hu-HU" sz="2000" dirty="0" err="1">
+                <a:latin typeface="Times New Roman" panose="02020603050405020304" pitchFamily="18" charset="0"/>
+                <a:cs typeface="Times New Roman" panose="02020603050405020304" pitchFamily="18" charset="0"/>
+              </a:rPr>
+              <a:t>eltérőek</a:t>
+            </a:r>
+            <a:r>
+              <a:rPr lang="hu-HU" sz="2000" dirty="0">
+                <a:latin typeface="Times New Roman" panose="02020603050405020304" pitchFamily="18" charset="0"/>
+                <a:cs typeface="Times New Roman" panose="02020603050405020304" pitchFamily="18" charset="0"/>
+              </a:rPr>
+              <a:t> lehetnek.</a:t>
+            </a:r>
+          </a:p>
+        </p:txBody>
+      </p:sp>
+      <p:pic>
+        <p:nvPicPr>
+          <p:cNvPr id="6" name="Kép 5">
+            <a:extLst>
+              <a:ext uri="{FF2B5EF4-FFF2-40B4-BE49-F238E27FC236}">
+                <a16:creationId xmlns:a16="http://schemas.microsoft.com/office/drawing/2014/main" id="{39285F6D-D317-4C22-BB41-1A7CAC247D72}"/>
+              </a:ext>
+            </a:extLst>
+          </p:cNvPr>
+          <p:cNvPicPr>
+            <a:picLocks noChangeAspect="1"/>
+          </p:cNvPicPr>
+          <p:nvPr/>
+        </p:nvPicPr>
+        <p:blipFill>
+          <a:blip r:embed="rId2">
+            <a:extLst>
+              <a:ext uri="{28A0092B-C50C-407E-A947-70E740481C1C}">
+                <a14:useLocalDpi xmlns:a14="http://schemas.microsoft.com/office/drawing/2010/main" val="0"/>
+              </a:ext>
+            </a:extLst>
+          </a:blip>
+          <a:stretch>
+            <a:fillRect/>
+          </a:stretch>
+        </p:blipFill>
+        <p:spPr>
+          <a:xfrm>
+            <a:off x="5768829" y="4091781"/>
+            <a:ext cx="4318594" cy="1807518"/>
+          </a:xfrm>
+          <a:prstGeom prst="rect">
+            <a:avLst/>
+          </a:prstGeom>
+        </p:spPr>
+      </p:pic>
     </p:spTree>
     <p:extLst>
       <p:ext uri="{BB962C8B-B14F-4D97-AF65-F5344CB8AC3E}">
         <p14:creationId xmlns:p14="http://schemas.microsoft.com/office/powerpoint/2010/main" val="580023215"/>
+      </p:ext>
+    </p:extLst>
+  </p:cSld>
+  <p:clrMapOvr>
+    <a:masterClrMapping/>
+  </p:clrMapOvr>
+</p:sld>
+</file>
+
+<file path=ppt/slides/slide4.xml><?xml version="1.0" encoding="utf-8"?>
+<p:sld xmlns:a="http://schemas.openxmlformats.org/drawingml/2006/main" xmlns:r="http://schemas.openxmlformats.org/officeDocument/2006/relationships" xmlns:p="http://schemas.openxmlformats.org/presentationml/2006/main">
+  <p:cSld>
+    <p:spTree>
+      <p:nvGrpSpPr>
+        <p:cNvPr id="1" name=""/>
+        <p:cNvGrpSpPr/>
+        <p:nvPr/>
+      </p:nvGrpSpPr>
+      <p:grpSpPr>
+        <a:xfrm>
+          <a:off x="0" y="0"/>
+          <a:ext cx="0" cy="0"/>
+          <a:chOff x="0" y="0"/>
+          <a:chExt cx="0" cy="0"/>
+        </a:xfrm>
+      </p:grpSpPr>
+      <p:sp>
+        <p:nvSpPr>
+          <p:cNvPr id="2" name="Cím 1">
+            <a:extLst>
+              <a:ext uri="{FF2B5EF4-FFF2-40B4-BE49-F238E27FC236}">
+                <a16:creationId xmlns:a16="http://schemas.microsoft.com/office/drawing/2014/main" id="{66282139-4F51-44DF-9FCB-04D6CA3D2752}"/>
+              </a:ext>
+            </a:extLst>
+          </p:cNvPr>
+          <p:cNvSpPr>
+            <a:spLocks noGrp="1"/>
+          </p:cNvSpPr>
+          <p:nvPr>
+            <p:ph type="title"/>
+          </p:nvPr>
+        </p:nvSpPr>
+        <p:spPr>
+          <a:xfrm>
+            <a:off x="0" y="243281"/>
+            <a:ext cx="10954512" cy="1448041"/>
+          </a:xfrm>
+        </p:spPr>
+        <p:txBody>
+          <a:bodyPr/>
+          <a:lstStyle/>
+          <a:p>
+            <a:r>
+              <a:rPr lang="hu-HU" dirty="0">
+                <a:latin typeface="Times New Roman" panose="02020603050405020304" pitchFamily="18" charset="0"/>
+                <a:cs typeface="Times New Roman" panose="02020603050405020304" pitchFamily="18" charset="0"/>
+              </a:rPr>
+              <a:t>LAN  és WAN keretek</a:t>
+            </a:r>
+          </a:p>
+        </p:txBody>
+      </p:sp>
+      <p:pic>
+        <p:nvPicPr>
+          <p:cNvPr id="4" name="Tartalom helye 3">
+            <a:extLst>
+              <a:ext uri="{FF2B5EF4-FFF2-40B4-BE49-F238E27FC236}">
+                <a16:creationId xmlns:a16="http://schemas.microsoft.com/office/drawing/2014/main" id="{6DAA1842-BBC8-4EBE-AD3C-94248D6B7F72}"/>
+              </a:ext>
+            </a:extLst>
+          </p:cNvPr>
+          <p:cNvPicPr>
+            <a:picLocks noGrp="1" noChangeAspect="1"/>
+          </p:cNvPicPr>
+          <p:nvPr>
+            <p:ph idx="1"/>
+          </p:nvPr>
+        </p:nvPicPr>
+        <p:blipFill>
+          <a:blip r:embed="rId2"/>
+          <a:stretch>
+            <a:fillRect/>
+          </a:stretch>
+        </p:blipFill>
+        <p:spPr>
+          <a:xfrm>
+            <a:off x="6632896" y="1846604"/>
+            <a:ext cx="4869820" cy="2120848"/>
+          </a:xfrm>
+          <a:prstGeom prst="rect">
+            <a:avLst/>
+          </a:prstGeom>
+        </p:spPr>
+      </p:pic>
+      <p:sp>
+        <p:nvSpPr>
+          <p:cNvPr id="5" name="Szövegdoboz 4">
+            <a:extLst>
+              <a:ext uri="{FF2B5EF4-FFF2-40B4-BE49-F238E27FC236}">
+                <a16:creationId xmlns:a16="http://schemas.microsoft.com/office/drawing/2014/main" id="{57720358-10BE-4F20-9E22-4DD56A4E3048}"/>
+              </a:ext>
+            </a:extLst>
+          </p:cNvPr>
+          <p:cNvSpPr txBox="1"/>
+          <p:nvPr/>
+        </p:nvSpPr>
+        <p:spPr>
+          <a:xfrm>
+            <a:off x="83890" y="1786855"/>
+            <a:ext cx="6870583" cy="4361194"/>
+          </a:xfrm>
+          <a:prstGeom prst="rect">
+            <a:avLst/>
+          </a:prstGeom>
+          <a:noFill/>
+        </p:spPr>
+        <p:txBody>
+          <a:bodyPr wrap="square" rtlCol="0">
+            <a:spAutoFit/>
+          </a:bodyPr>
+          <a:lstStyle/>
+          <a:p>
+            <a:pPr marL="285750" indent="-285750">
+              <a:lnSpc>
+                <a:spcPts val="2800"/>
+              </a:lnSpc>
+              <a:buFont typeface="Arial" panose="020B0604020202020204" pitchFamily="34" charset="0"/>
+              <a:buChar char="•"/>
+            </a:pPr>
+            <a:r>
+              <a:rPr lang="hu-HU" dirty="0"/>
+              <a:t>Egy TCP/IP hálózatban minden 2. </a:t>
+            </a:r>
+            <a:r>
+              <a:rPr lang="hu-HU" dirty="0" err="1"/>
+              <a:t>rétegbeli</a:t>
+            </a:r>
+            <a:r>
+              <a:rPr lang="hu-HU" dirty="0"/>
+              <a:t> protokoll a 3. rétegben található IP-vel működik együtt.</a:t>
+            </a:r>
+          </a:p>
+          <a:p>
+            <a:pPr marL="285750" indent="-285750">
+              <a:lnSpc>
+                <a:spcPts val="2800"/>
+              </a:lnSpc>
+              <a:buFont typeface="Arial" panose="020B0604020202020204" pitchFamily="34" charset="0"/>
+              <a:buChar char="•"/>
+            </a:pPr>
+            <a:r>
+              <a:rPr lang="hu-HU" dirty="0"/>
+              <a:t>A ténylegesen használt 2. </a:t>
+            </a:r>
+            <a:r>
+              <a:rPr lang="hu-HU" dirty="0" err="1"/>
+              <a:t>rétegbelo</a:t>
+            </a:r>
+            <a:r>
+              <a:rPr lang="hu-HU" dirty="0"/>
+              <a:t> protokoll viszont a hálózat logikai </a:t>
+            </a:r>
+            <a:r>
+              <a:rPr lang="hu-HU" dirty="0" err="1"/>
+              <a:t>topologiájától</a:t>
+            </a:r>
+            <a:r>
+              <a:rPr lang="hu-HU" dirty="0"/>
+              <a:t> függ.</a:t>
+            </a:r>
+          </a:p>
+          <a:p>
+            <a:pPr marL="285750" indent="-285750">
+              <a:lnSpc>
+                <a:spcPts val="2800"/>
+              </a:lnSpc>
+              <a:buFont typeface="Arial" panose="020B0604020202020204" pitchFamily="34" charset="0"/>
+              <a:buChar char="•"/>
+            </a:pPr>
+            <a:r>
+              <a:rPr lang="hu-HU" dirty="0"/>
+              <a:t>Mivel különböző hálózati topológiákban számos fizikai kötegtípus van ezért a protokollok száma is meglehetősen nagy.</a:t>
+            </a:r>
+          </a:p>
+          <a:p>
+            <a:pPr marL="285750" indent="-285750">
+              <a:lnSpc>
+                <a:spcPts val="2800"/>
+              </a:lnSpc>
+              <a:buFont typeface="Arial" panose="020B0604020202020204" pitchFamily="34" charset="0"/>
+              <a:buChar char="•"/>
+            </a:pPr>
+            <a:r>
+              <a:rPr lang="hu-HU" dirty="0"/>
+              <a:t>Számos különböző hálózati eszköz viselkedhet adatkapcsolati rétegben csomópontként.</a:t>
+            </a:r>
+          </a:p>
+          <a:p>
+            <a:pPr>
+              <a:lnSpc>
+                <a:spcPts val="2800"/>
+              </a:lnSpc>
+            </a:pPr>
+            <a:r>
+              <a:rPr lang="hu-HU" dirty="0"/>
+              <a:t>Ezek közé tartoznak a számítógépek </a:t>
+            </a:r>
+            <a:r>
+              <a:rPr lang="hu-HU" dirty="0" err="1"/>
+              <a:t>adapterei</a:t>
+            </a:r>
+            <a:r>
+              <a:rPr lang="hu-HU" dirty="0"/>
+              <a:t> vagy hálózati kártyái csakúgy mint a forgalomirányítók és a 2. </a:t>
+            </a:r>
+            <a:r>
+              <a:rPr lang="hu-HU" dirty="0" err="1"/>
+              <a:t>rétegbelo</a:t>
+            </a:r>
+            <a:r>
+              <a:rPr lang="hu-HU" dirty="0"/>
+              <a:t> kapcsolók interfészei.</a:t>
+            </a:r>
+          </a:p>
+        </p:txBody>
+      </p:sp>
+    </p:spTree>
+    <p:extLst>
+      <p:ext uri="{BB962C8B-B14F-4D97-AF65-F5344CB8AC3E}">
+        <p14:creationId xmlns:p14="http://schemas.microsoft.com/office/powerpoint/2010/main" val="454430827"/>
+      </p:ext>
+    </p:extLst>
+  </p:cSld>
+  <p:clrMapOvr>
+    <a:masterClrMapping/>
+  </p:clrMapOvr>
+</p:sld>
+</file>
+
+<file path=ppt/slides/slide5.xml><?xml version="1.0" encoding="utf-8"?>
+<p:sld xmlns:a="http://schemas.openxmlformats.org/drawingml/2006/main" xmlns:r="http://schemas.openxmlformats.org/officeDocument/2006/relationships" xmlns:p="http://schemas.openxmlformats.org/presentationml/2006/main">
+  <p:cSld>
+    <p:spTree>
+      <p:nvGrpSpPr>
+        <p:cNvPr id="1" name=""/>
+        <p:cNvGrpSpPr/>
+        <p:nvPr/>
+      </p:nvGrpSpPr>
+      <p:grpSpPr>
+        <a:xfrm>
+          <a:off x="0" y="0"/>
+          <a:ext cx="0" cy="0"/>
+          <a:chOff x="0" y="0"/>
+          <a:chExt cx="0" cy="0"/>
+        </a:xfrm>
+      </p:grpSpPr>
+      <p:sp>
+        <p:nvSpPr>
+          <p:cNvPr id="2" name="Cím 1">
+            <a:extLst>
+              <a:ext uri="{FF2B5EF4-FFF2-40B4-BE49-F238E27FC236}">
+                <a16:creationId xmlns:a16="http://schemas.microsoft.com/office/drawing/2014/main" id="{C570CD9C-251C-44B5-B7F0-8B45A31A54D1}"/>
+              </a:ext>
+            </a:extLst>
+          </p:cNvPr>
+          <p:cNvSpPr>
+            <a:spLocks noGrp="1"/>
+          </p:cNvSpPr>
+          <p:nvPr>
+            <p:ph type="title"/>
+          </p:nvPr>
+        </p:nvSpPr>
+        <p:spPr>
+          <a:xfrm>
+            <a:off x="0" y="503238"/>
+            <a:ext cx="9692640" cy="1325562"/>
+          </a:xfrm>
+        </p:spPr>
+        <p:txBody>
+          <a:bodyPr/>
+          <a:lstStyle/>
+          <a:p>
+            <a:r>
+              <a:rPr lang="hu-HU" dirty="0">
+                <a:latin typeface="Times New Roman" panose="02020603050405020304" pitchFamily="18" charset="0"/>
+                <a:cs typeface="Times New Roman" panose="02020603050405020304" pitchFamily="18" charset="0"/>
+              </a:rPr>
+              <a:t>2. </a:t>
+            </a:r>
+            <a:r>
+              <a:rPr lang="hu-HU" dirty="0" err="1">
+                <a:latin typeface="Times New Roman" panose="02020603050405020304" pitchFamily="18" charset="0"/>
+                <a:cs typeface="Times New Roman" panose="02020603050405020304" pitchFamily="18" charset="0"/>
+              </a:rPr>
+              <a:t>Keretbeli</a:t>
+            </a:r>
+            <a:r>
+              <a:rPr lang="hu-HU" dirty="0">
+                <a:latin typeface="Times New Roman" panose="02020603050405020304" pitchFamily="18" charset="0"/>
+                <a:cs typeface="Times New Roman" panose="02020603050405020304" pitchFamily="18" charset="0"/>
+              </a:rPr>
+              <a:t> címek </a:t>
+            </a:r>
+          </a:p>
+        </p:txBody>
+      </p:sp>
+      <p:sp>
+        <p:nvSpPr>
+          <p:cNvPr id="3" name="Tartalom helye 2">
+            <a:extLst>
+              <a:ext uri="{FF2B5EF4-FFF2-40B4-BE49-F238E27FC236}">
+                <a16:creationId xmlns:a16="http://schemas.microsoft.com/office/drawing/2014/main" id="{00872CAF-B3DB-4E59-94D3-B7C4E1614F7D}"/>
+              </a:ext>
+            </a:extLst>
+          </p:cNvPr>
+          <p:cNvSpPr>
+            <a:spLocks noGrp="1"/>
+          </p:cNvSpPr>
+          <p:nvPr>
+            <p:ph idx="1"/>
+          </p:nvPr>
+        </p:nvSpPr>
+        <p:spPr>
+          <a:xfrm>
+            <a:off x="0" y="1761688"/>
+            <a:ext cx="8595360" cy="4351337"/>
+          </a:xfrm>
+        </p:spPr>
+        <p:txBody>
+          <a:bodyPr/>
+          <a:lstStyle/>
+          <a:p>
+            <a:r>
+              <a:rPr lang="hu-HU" dirty="0"/>
+              <a:t>Adatkapcsolati réteg biztosítja a címzést amelyet a megosztott közegen történő kerettovábbításnál használunk.</a:t>
+            </a:r>
+          </a:p>
+          <a:p>
+            <a:r>
+              <a:rPr lang="hu-HU" dirty="0"/>
+              <a:t>A fizikai címe inkább eszközre jellemző.</a:t>
+            </a:r>
+          </a:p>
+          <a:p>
+            <a:r>
+              <a:rPr lang="hu-HU" dirty="0"/>
+              <a:t>Az eszközök címet ebben a rétegben fizikai címnek </a:t>
+            </a:r>
+            <a:r>
+              <a:rPr lang="hu-HU" dirty="0" err="1"/>
+              <a:t>hivjuk</a:t>
+            </a:r>
+            <a:r>
+              <a:rPr lang="hu-HU" dirty="0"/>
+              <a:t>.</a:t>
+            </a:r>
+          </a:p>
+          <a:p>
+            <a:r>
+              <a:rPr lang="hu-HU" dirty="0"/>
+              <a:t>Attól hogy a készülék egy másik hálózatba kerül át még ugyanazzal a 2.rétegbeli címmel </a:t>
+            </a:r>
+            <a:r>
+              <a:rPr lang="hu-HU" dirty="0" err="1"/>
+              <a:t>müködik</a:t>
+            </a:r>
+            <a:r>
+              <a:rPr lang="hu-HU" dirty="0"/>
+              <a:t> tovább</a:t>
+            </a:r>
+          </a:p>
+        </p:txBody>
+      </p:sp>
+    </p:spTree>
+    <p:extLst>
+      <p:ext uri="{BB962C8B-B14F-4D97-AF65-F5344CB8AC3E}">
+        <p14:creationId xmlns:p14="http://schemas.microsoft.com/office/powerpoint/2010/main" val="2193915927"/>
+      </p:ext>
+    </p:extLst>
+  </p:cSld>
+  <p:clrMapOvr>
+    <a:masterClrMapping/>
+  </p:clrMapOvr>
+</p:sld>
+</file>
+
+<file path=ppt/slides/slide6.xml><?xml version="1.0" encoding="utf-8"?>
+<p:sld xmlns:a="http://schemas.openxmlformats.org/drawingml/2006/main" xmlns:r="http://schemas.openxmlformats.org/officeDocument/2006/relationships" xmlns:p="http://schemas.openxmlformats.org/presentationml/2006/main">
+  <p:cSld>
+    <p:spTree>
+      <p:nvGrpSpPr>
+        <p:cNvPr id="1" name=""/>
+        <p:cNvGrpSpPr/>
+        <p:nvPr/>
+      </p:nvGrpSpPr>
+      <p:grpSpPr>
+        <a:xfrm>
+          <a:off x="0" y="0"/>
+          <a:ext cx="0" cy="0"/>
+          <a:chOff x="0" y="0"/>
+          <a:chExt cx="0" cy="0"/>
+        </a:xfrm>
+      </p:grpSpPr>
+      <p:sp>
+        <p:nvSpPr>
+          <p:cNvPr id="2" name="Cím 1">
+            <a:extLst>
+              <a:ext uri="{FF2B5EF4-FFF2-40B4-BE49-F238E27FC236}">
+                <a16:creationId xmlns:a16="http://schemas.microsoft.com/office/drawing/2014/main" id="{391E4A3B-5780-465B-AA9E-3EF0F1A7018F}"/>
+              </a:ext>
+            </a:extLst>
+          </p:cNvPr>
+          <p:cNvSpPr>
+            <a:spLocks noGrp="1"/>
+          </p:cNvSpPr>
+          <p:nvPr>
+            <p:ph type="title"/>
+          </p:nvPr>
+        </p:nvSpPr>
+        <p:spPr>
+          <a:xfrm>
+            <a:off x="0" y="365760"/>
+            <a:ext cx="11291582" cy="1328816"/>
+          </a:xfrm>
+        </p:spPr>
+        <p:txBody>
+          <a:bodyPr/>
+          <a:lstStyle/>
+          <a:p>
+            <a:pPr algn="ctr"/>
+            <a:r>
+              <a:rPr lang="hu-HU" dirty="0"/>
+              <a:t>Kvíz</a:t>
+            </a:r>
+          </a:p>
+        </p:txBody>
+      </p:sp>
+      <p:pic>
+        <p:nvPicPr>
+          <p:cNvPr id="4" name="Tartalom helye 3">
+            <a:extLst>
+              <a:ext uri="{FF2B5EF4-FFF2-40B4-BE49-F238E27FC236}">
+                <a16:creationId xmlns:a16="http://schemas.microsoft.com/office/drawing/2014/main" id="{CF7E80DB-A984-4BD0-8124-A727638F05F5}"/>
+              </a:ext>
+            </a:extLst>
+          </p:cNvPr>
+          <p:cNvPicPr>
+            <a:picLocks noGrp="1" noChangeAspect="1"/>
+          </p:cNvPicPr>
+          <p:nvPr>
+            <p:ph idx="1"/>
+          </p:nvPr>
+        </p:nvPicPr>
+        <p:blipFill>
+          <a:blip r:embed="rId2"/>
+          <a:stretch>
+            <a:fillRect/>
+          </a:stretch>
+        </p:blipFill>
+        <p:spPr>
+          <a:xfrm>
+            <a:off x="0" y="1853967"/>
+            <a:ext cx="3808602" cy="4351338"/>
+          </a:xfrm>
+          <a:prstGeom prst="rect">
+            <a:avLst/>
+          </a:prstGeom>
+        </p:spPr>
+      </p:pic>
+      <p:pic>
+        <p:nvPicPr>
+          <p:cNvPr id="5" name="Kép 4">
+            <a:extLst>
+              <a:ext uri="{FF2B5EF4-FFF2-40B4-BE49-F238E27FC236}">
+                <a16:creationId xmlns:a16="http://schemas.microsoft.com/office/drawing/2014/main" id="{77EFD409-88BE-4F12-AF28-683128D9FBE2}"/>
+              </a:ext>
+            </a:extLst>
+          </p:cNvPr>
+          <p:cNvPicPr>
+            <a:picLocks noChangeAspect="1"/>
+          </p:cNvPicPr>
+          <p:nvPr/>
+        </p:nvPicPr>
+        <p:blipFill>
+          <a:blip r:embed="rId3"/>
+          <a:stretch>
+            <a:fillRect/>
+          </a:stretch>
+        </p:blipFill>
+        <p:spPr>
+          <a:xfrm>
+            <a:off x="2448205" y="1853967"/>
+            <a:ext cx="3126106" cy="4351338"/>
+          </a:xfrm>
+          <a:prstGeom prst="rect">
+            <a:avLst/>
+          </a:prstGeom>
+        </p:spPr>
+      </p:pic>
+      <p:pic>
+        <p:nvPicPr>
+          <p:cNvPr id="6" name="Kép 5">
+            <a:extLst>
+              <a:ext uri="{FF2B5EF4-FFF2-40B4-BE49-F238E27FC236}">
+                <a16:creationId xmlns:a16="http://schemas.microsoft.com/office/drawing/2014/main" id="{626D44E6-5B19-4F85-A6C1-164F7F848467}"/>
+              </a:ext>
+            </a:extLst>
+          </p:cNvPr>
+          <p:cNvPicPr>
+            <a:picLocks noChangeAspect="1"/>
+          </p:cNvPicPr>
+          <p:nvPr/>
+        </p:nvPicPr>
+        <p:blipFill>
+          <a:blip r:embed="rId4"/>
+          <a:stretch>
+            <a:fillRect/>
+          </a:stretch>
+        </p:blipFill>
+        <p:spPr>
+          <a:xfrm>
+            <a:off x="5365831" y="1853967"/>
+            <a:ext cx="2841243" cy="4207226"/>
+          </a:xfrm>
+          <a:prstGeom prst="rect">
+            <a:avLst/>
+          </a:prstGeom>
+        </p:spPr>
+      </p:pic>
+      <p:pic>
+        <p:nvPicPr>
+          <p:cNvPr id="7" name="Kép 6">
+            <a:extLst>
+              <a:ext uri="{FF2B5EF4-FFF2-40B4-BE49-F238E27FC236}">
+                <a16:creationId xmlns:a16="http://schemas.microsoft.com/office/drawing/2014/main" id="{409DDABE-689C-4280-BEC9-267BF23D5E65}"/>
+              </a:ext>
+            </a:extLst>
+          </p:cNvPr>
+          <p:cNvPicPr>
+            <a:picLocks noChangeAspect="1"/>
+          </p:cNvPicPr>
+          <p:nvPr/>
+        </p:nvPicPr>
+        <p:blipFill>
+          <a:blip r:embed="rId5"/>
+          <a:stretch>
+            <a:fillRect/>
+          </a:stretch>
+        </p:blipFill>
+        <p:spPr>
+          <a:xfrm>
+            <a:off x="8106059" y="1709855"/>
+            <a:ext cx="3126106" cy="2590039"/>
+          </a:xfrm>
+          <a:prstGeom prst="rect">
+            <a:avLst/>
+          </a:prstGeom>
+        </p:spPr>
+      </p:pic>
+    </p:spTree>
+    <p:extLst>
+      <p:ext uri="{BB962C8B-B14F-4D97-AF65-F5344CB8AC3E}">
+        <p14:creationId xmlns:p14="http://schemas.microsoft.com/office/powerpoint/2010/main" val="1934544183"/>
       </p:ext>
     </p:extLst>
   </p:cSld>
